--- a/IosLandingPage/sketch/IOS.pptx
+++ b/IosLandingPage/sketch/IOS.pptx
@@ -6,6 +6,7 @@
   </p:sldMasterIdLst>
   <p:sldIdLst>
     <p:sldId id="256" r:id="rId2"/>
+    <p:sldId id="257" r:id="rId3"/>
   </p:sldIdLst>
   <p:sldSz cx="12192000" cy="6858000"/>
   <p:notesSz cx="6858000" cy="9144000"/>
@@ -199,7 +200,7 @@
           <p:cNvPr id="11" name="9Slide.vn - 2019">
             <a:extLst>
               <a:ext uri="{FF2B5EF4-FFF2-40B4-BE49-F238E27FC236}">
-                <a16:creationId xmlns:a16="http://schemas.microsoft.com/office/drawing/2014/main" id="{892632C2-045F-470C-8E5C-DC8F48B91A84}"/>
+                <a16:creationId xmlns:a16="http://schemas.microsoft.com/office/drawing/2014/main" id="{EFD6EC32-ABEE-4C59-B4E1-69EF3AFC88C5}"/>
               </a:ext>
             </a:extLst>
           </p:cNvPr>
@@ -382,7 +383,7 @@
           <a:p>
             <a:fld id="{29AEBCE1-88E2-417D-8900-76A0D9490234}" type="datetimeFigureOut">
               <a:rPr lang="vi-VN" smtClean="0"/>
-              <a:t>06/04/2021</a:t>
+              <a:t>08/04/2021</a:t>
             </a:fld>
             <a:endParaRPr lang="vi-VN"/>
           </a:p>
@@ -974,7 +975,7 @@
 </file>
 
 <file path=ppt/slides/slide1.xml><?xml version="1.0" encoding="utf-8"?>
-<p:sld xmlns:a="http://schemas.openxmlformats.org/drawingml/2006/main" xmlns:r="http://schemas.openxmlformats.org/officeDocument/2006/relationships" xmlns:p="http://schemas.openxmlformats.org/presentationml/2006/main">
+<p:sld xmlns:a="http://schemas.openxmlformats.org/drawingml/2006/main" xmlns:r="http://schemas.openxmlformats.org/officeDocument/2006/relationships" xmlns:p="http://schemas.openxmlformats.org/presentationml/2006/main" show="0">
   <p:cSld>
     <p:spTree>
       <p:nvGrpSpPr>
@@ -1472,10 +1473,10 @@
       </p:grpSp>
       <p:sp>
         <p:nvSpPr>
-          <p:cNvPr id="26" name="D7190A">
+          <p:cNvPr id="4" name="D7190A">
             <a:extLst>
               <a:ext uri="{FF2B5EF4-FFF2-40B4-BE49-F238E27FC236}">
-                <a16:creationId xmlns:a16="http://schemas.microsoft.com/office/drawing/2014/main" id="{767E7171-4636-4354-B677-80084B5D5A95}"/>
+                <a16:creationId xmlns:a16="http://schemas.microsoft.com/office/drawing/2014/main" id="{C730E8E3-BA35-4E52-A26A-EFC59C8B2A67}"/>
               </a:ext>
             </a:extLst>
           </p:cNvPr>
@@ -1511,6 +1512,308 @@
     <p:extLst>
       <p:ext uri="{BB962C8B-B14F-4D97-AF65-F5344CB8AC3E}">
         <p14:creationId xmlns:p14="http://schemas.microsoft.com/office/powerpoint/2010/main" val="949283424"/>
+      </p:ext>
+    </p:extLst>
+  </p:cSld>
+  <p:clrMapOvr>
+    <a:masterClrMapping/>
+  </p:clrMapOvr>
+  <mc:AlternateContent xmlns:mc="http://schemas.openxmlformats.org/markup-compatibility/2006" xmlns:p14="http://schemas.microsoft.com/office/powerpoint/2010/main">
+    <mc:Choice Requires="p14">
+      <p:transition spd="med" p14:dur="700">
+        <p:fade/>
+      </p:transition>
+    </mc:Choice>
+    <mc:Fallback xmlns="">
+      <p:transition spd="med">
+        <p:fade/>
+      </p:transition>
+    </mc:Fallback>
+  </mc:AlternateContent>
+</p:sld>
+</file>
+
+<file path=ppt/slides/slide2.xml><?xml version="1.0" encoding="utf-8"?>
+<p:sld xmlns:a="http://schemas.openxmlformats.org/drawingml/2006/main" xmlns:r="http://schemas.openxmlformats.org/officeDocument/2006/relationships" xmlns:p="http://schemas.openxmlformats.org/presentationml/2006/main">
+  <p:cSld>
+    <p:spTree>
+      <p:nvGrpSpPr>
+        <p:cNvPr id="1" name=""/>
+        <p:cNvGrpSpPr/>
+        <p:nvPr/>
+      </p:nvGrpSpPr>
+      <p:grpSpPr>
+        <a:xfrm>
+          <a:off x="0" y="0"/>
+          <a:ext cx="0" cy="0"/>
+          <a:chOff x="0" y="0"/>
+          <a:chExt cx="0" cy="0"/>
+        </a:xfrm>
+      </p:grpSpPr>
+      <p:pic>
+        <p:nvPicPr>
+          <p:cNvPr id="7" name="Picture 611" descr="A picture containing graphical user interface&#10;&#10;Description automatically generated">
+            <a:extLst>
+              <a:ext uri="{FF2B5EF4-FFF2-40B4-BE49-F238E27FC236}">
+                <a16:creationId xmlns:a16="http://schemas.microsoft.com/office/drawing/2014/main" id="{0A343DD0-8A69-4AAD-94F9-333FE929CD75}"/>
+              </a:ext>
+            </a:extLst>
+          </p:cNvPr>
+          <p:cNvPicPr>
+            <a:picLocks noChangeAspect="1"/>
+          </p:cNvPicPr>
+          <p:nvPr/>
+        </p:nvPicPr>
+        <p:blipFill>
+          <a:blip r:embed="rId2">
+            <a:extLst>
+              <a:ext uri="{28A0092B-C50C-407E-A947-70E740481C1C}">
+                <a14:useLocalDpi xmlns:a14="http://schemas.microsoft.com/office/drawing/2010/main" val="0"/>
+              </a:ext>
+            </a:extLst>
+          </a:blip>
+          <a:srcRect l="29575" t="12189" r="27568" b="15984"/>
+          <a:stretch>
+            <a:fillRect/>
+          </a:stretch>
+        </p:blipFill>
+        <p:spPr>
+          <a:xfrm rot="21031201">
+            <a:off x="3404896" y="1104281"/>
+            <a:ext cx="4244213" cy="4925919"/>
+          </a:xfrm>
+          <a:custGeom>
+            <a:avLst/>
+            <a:gdLst>
+              <a:gd name="connsiteX0" fmla="*/ 3970933 w 4244213"/>
+              <a:gd name="connsiteY0" fmla="*/ 2277 h 4925919"/>
+              <a:gd name="connsiteX1" fmla="*/ 4235093 w 4244213"/>
+              <a:gd name="connsiteY1" fmla="*/ 329937 h 4925919"/>
+              <a:gd name="connsiteX2" fmla="*/ 2449473 w 4244213"/>
+              <a:gd name="connsiteY2" fmla="*/ 4635237 h 4925919"/>
+              <a:gd name="connsiteX3" fmla="*/ 1966873 w 4244213"/>
+              <a:gd name="connsiteY3" fmla="*/ 4924797 h 4925919"/>
+              <a:gd name="connsiteX4" fmla="*/ 244753 w 4244213"/>
+              <a:gd name="connsiteY4" fmla="*/ 4833357 h 4925919"/>
+              <a:gd name="connsiteX5" fmla="*/ 23773 w 4244213"/>
+              <a:gd name="connsiteY5" fmla="*/ 4444737 h 4925919"/>
+              <a:gd name="connsiteX6" fmla="*/ 1913533 w 4244213"/>
+              <a:gd name="connsiteY6" fmla="*/ 393437 h 4925919"/>
+              <a:gd name="connsiteX7" fmla="*/ 2294533 w 4244213"/>
+              <a:gd name="connsiteY7" fmla="*/ 116577 h 4925919"/>
+            </a:gdLst>
+            <a:ahLst/>
+            <a:cxnLst>
+              <a:cxn ang="0">
+                <a:pos x="connsiteX0" y="connsiteY0"/>
+              </a:cxn>
+              <a:cxn ang="0">
+                <a:pos x="connsiteX1" y="connsiteY1"/>
+              </a:cxn>
+              <a:cxn ang="0">
+                <a:pos x="connsiteX2" y="connsiteY2"/>
+              </a:cxn>
+              <a:cxn ang="0">
+                <a:pos x="connsiteX3" y="connsiteY3"/>
+              </a:cxn>
+              <a:cxn ang="0">
+                <a:pos x="connsiteX4" y="connsiteY4"/>
+              </a:cxn>
+              <a:cxn ang="0">
+                <a:pos x="connsiteX5" y="connsiteY5"/>
+              </a:cxn>
+              <a:cxn ang="0">
+                <a:pos x="connsiteX6" y="connsiteY6"/>
+              </a:cxn>
+              <a:cxn ang="0">
+                <a:pos x="connsiteX7" y="connsiteY7"/>
+              </a:cxn>
+            </a:cxnLst>
+            <a:rect l="l" t="t" r="r" b="b"/>
+            <a:pathLst>
+              <a:path w="4244213" h="4925919">
+                <a:moveTo>
+                  <a:pt x="3970933" y="2277"/>
+                </a:moveTo>
+                <a:cubicBezTo>
+                  <a:pt x="4148733" y="-25663"/>
+                  <a:pt x="4280813" y="210557"/>
+                  <a:pt x="4235093" y="329937"/>
+                </a:cubicBezTo>
+                <a:lnTo>
+                  <a:pt x="2449473" y="4635237"/>
+                </a:lnTo>
+                <a:cubicBezTo>
+                  <a:pt x="2298766" y="4879077"/>
+                  <a:pt x="2127740" y="4934957"/>
+                  <a:pt x="1966873" y="4924797"/>
+                </a:cubicBezTo>
+                <a:lnTo>
+                  <a:pt x="244753" y="4833357"/>
+                </a:lnTo>
+                <a:cubicBezTo>
+                  <a:pt x="54253" y="4774937"/>
+                  <a:pt x="-49887" y="4594597"/>
+                  <a:pt x="23773" y="4444737"/>
+                </a:cubicBezTo>
+                <a:lnTo>
+                  <a:pt x="1913533" y="393437"/>
+                </a:lnTo>
+                <a:cubicBezTo>
+                  <a:pt x="1959253" y="260510"/>
+                  <a:pt x="2137053" y="132664"/>
+                  <a:pt x="2294533" y="116577"/>
+                </a:cubicBezTo>
+                <a:close/>
+              </a:path>
+            </a:pathLst>
+          </a:custGeom>
+        </p:spPr>
+      </p:pic>
+      <p:pic>
+        <p:nvPicPr>
+          <p:cNvPr id="5" name="Picture 411" descr="Graphical user interface&#10;&#10;Description automatically generated">
+            <a:extLst>
+              <a:ext uri="{FF2B5EF4-FFF2-40B4-BE49-F238E27FC236}">
+                <a16:creationId xmlns:a16="http://schemas.microsoft.com/office/drawing/2014/main" id="{5A00BB93-9815-490C-B1CE-11B09E594C5C}"/>
+              </a:ext>
+            </a:extLst>
+          </p:cNvPr>
+          <p:cNvPicPr>
+            <a:picLocks noChangeAspect="1"/>
+          </p:cNvPicPr>
+          <p:nvPr/>
+        </p:nvPicPr>
+        <p:blipFill>
+          <a:blip r:embed="rId3">
+            <a:extLst>
+              <a:ext uri="{28A0092B-C50C-407E-A947-70E740481C1C}">
+                <a14:useLocalDpi xmlns:a14="http://schemas.microsoft.com/office/drawing/2010/main" val="0"/>
+              </a:ext>
+            </a:extLst>
+          </a:blip>
+          <a:srcRect l="26112" t="7555" r="28692" b="6360"/>
+          <a:stretch>
+            <a:fillRect/>
+          </a:stretch>
+        </p:blipFill>
+        <p:spPr>
+          <a:xfrm rot="1554970">
+            <a:off x="853453" y="477157"/>
+            <a:ext cx="5510320" cy="5903687"/>
+          </a:xfrm>
+          <a:custGeom>
+            <a:avLst/>
+            <a:gdLst>
+              <a:gd name="connsiteX0" fmla="*/ 1912233 w 5510320"/>
+              <a:gd name="connsiteY0" fmla="*/ 183 h 5903687"/>
+              <a:gd name="connsiteX1" fmla="*/ 2315725 w 5510320"/>
+              <a:gd name="connsiteY1" fmla="*/ 195848 h 5903687"/>
+              <a:gd name="connsiteX2" fmla="*/ 5463447 w 5510320"/>
+              <a:gd name="connsiteY2" fmla="*/ 4461391 h 5903687"/>
+              <a:gd name="connsiteX3" fmla="*/ 5412261 w 5510320"/>
+              <a:gd name="connsiteY3" fmla="*/ 4946918 h 5903687"/>
+              <a:gd name="connsiteX4" fmla="*/ 3828129 w 5510320"/>
+              <a:gd name="connsiteY4" fmla="*/ 5871257 h 5903687"/>
+              <a:gd name="connsiteX5" fmla="*/ 3177447 w 5510320"/>
+              <a:gd name="connsiteY5" fmla="*/ 5564635 h 5903687"/>
+              <a:gd name="connsiteX6" fmla="*/ 29725 w 5510320"/>
+              <a:gd name="connsiteY6" fmla="*/ 987997 h 5903687"/>
+              <a:gd name="connsiteX7" fmla="*/ 155952 w 5510320"/>
+              <a:gd name="connsiteY7" fmla="*/ 485739 h 5903687"/>
+              <a:gd name="connsiteX8" fmla="*/ 1840303 w 5510320"/>
+              <a:gd name="connsiteY8" fmla="*/ 6342 h 5903687"/>
+              <a:gd name="connsiteX9" fmla="*/ 1912233 w 5510320"/>
+              <a:gd name="connsiteY9" fmla="*/ 183 h 5903687"/>
+            </a:gdLst>
+            <a:ahLst/>
+            <a:cxnLst>
+              <a:cxn ang="0">
+                <a:pos x="connsiteX0" y="connsiteY0"/>
+              </a:cxn>
+              <a:cxn ang="0">
+                <a:pos x="connsiteX1" y="connsiteY1"/>
+              </a:cxn>
+              <a:cxn ang="0">
+                <a:pos x="connsiteX2" y="connsiteY2"/>
+              </a:cxn>
+              <a:cxn ang="0">
+                <a:pos x="connsiteX3" y="connsiteY3"/>
+              </a:cxn>
+              <a:cxn ang="0">
+                <a:pos x="connsiteX4" y="connsiteY4"/>
+              </a:cxn>
+              <a:cxn ang="0">
+                <a:pos x="connsiteX5" y="connsiteY5"/>
+              </a:cxn>
+              <a:cxn ang="0">
+                <a:pos x="connsiteX6" y="connsiteY6"/>
+              </a:cxn>
+              <a:cxn ang="0">
+                <a:pos x="connsiteX7" y="connsiteY7"/>
+              </a:cxn>
+              <a:cxn ang="0">
+                <a:pos x="connsiteX8" y="connsiteY8"/>
+              </a:cxn>
+              <a:cxn ang="0">
+                <a:pos x="connsiteX9" y="connsiteY9"/>
+              </a:cxn>
+            </a:cxnLst>
+            <a:rect l="l" t="t" r="r" b="b"/>
+            <a:pathLst>
+              <a:path w="5510320" h="5903687">
+                <a:moveTo>
+                  <a:pt x="1912233" y="183"/>
+                </a:moveTo>
+                <a:cubicBezTo>
+                  <a:pt x="2084652" y="5849"/>
+                  <a:pt x="2280407" y="141687"/>
+                  <a:pt x="2315725" y="195848"/>
+                </a:cubicBezTo>
+                <a:lnTo>
+                  <a:pt x="5463447" y="4461391"/>
+                </a:lnTo>
+                <a:cubicBezTo>
+                  <a:pt x="5530205" y="4569893"/>
+                  <a:pt x="5536003" y="4788886"/>
+                  <a:pt x="5412261" y="4946918"/>
+                </a:cubicBezTo>
+                <a:lnTo>
+                  <a:pt x="3828129" y="5871257"/>
+                </a:lnTo>
+                <a:cubicBezTo>
+                  <a:pt x="3739505" y="5921450"/>
+                  <a:pt x="3391801" y="5967832"/>
+                  <a:pt x="3177447" y="5564635"/>
+                </a:cubicBezTo>
+                <a:lnTo>
+                  <a:pt x="29725" y="987997"/>
+                </a:lnTo>
+                <a:cubicBezTo>
+                  <a:pt x="-56469" y="721518"/>
+                  <a:pt x="63076" y="523618"/>
+                  <a:pt x="155952" y="485739"/>
+                </a:cubicBezTo>
+                <a:cubicBezTo>
+                  <a:pt x="717402" y="325940"/>
+                  <a:pt x="1297903" y="150901"/>
+                  <a:pt x="1840303" y="6342"/>
+                </a:cubicBezTo>
+                <a:cubicBezTo>
+                  <a:pt x="1863446" y="1221"/>
+                  <a:pt x="1887601" y="-626"/>
+                  <a:pt x="1912233" y="183"/>
+                </a:cubicBezTo>
+                <a:close/>
+              </a:path>
+            </a:pathLst>
+          </a:custGeom>
+        </p:spPr>
+      </p:pic>
+    </p:spTree>
+    <p:extLst>
+      <p:ext uri="{BB962C8B-B14F-4D97-AF65-F5344CB8AC3E}">
+        <p14:creationId xmlns:p14="http://schemas.microsoft.com/office/powerpoint/2010/main" val="2435368727"/>
       </p:ext>
     </p:extLst>
   </p:cSld>
